--- a/ews-venn.pptx
+++ b/ews-venn.pptx
@@ -285,7 +285,7 @@
           <a:lstStyle/>
           <a:p>
             <a:fld id="{1A79BAA1-E470-9F41-B0AC-6FECC0172A87}" type="datetimeFigureOut">
-              <a:t>1/12/13</a:t>
+              <a:t>3/6/13</a:t>
             </a:fld>
             <a:endParaRPr lang="en-US"/>
           </a:p>
@@ -451,7 +451,7 @@
           <a:lstStyle/>
           <a:p>
             <a:fld id="{1A79BAA1-E470-9F41-B0AC-6FECC0172A87}" type="datetimeFigureOut">
-              <a:t>1/12/13</a:t>
+              <a:t>3/6/13</a:t>
             </a:fld>
             <a:endParaRPr lang="en-US"/>
           </a:p>
@@ -627,7 +627,7 @@
           <a:lstStyle/>
           <a:p>
             <a:fld id="{1A79BAA1-E470-9F41-B0AC-6FECC0172A87}" type="datetimeFigureOut">
-              <a:t>1/12/13</a:t>
+              <a:t>3/6/13</a:t>
             </a:fld>
             <a:endParaRPr lang="en-US"/>
           </a:p>
@@ -793,7 +793,7 @@
           <a:lstStyle/>
           <a:p>
             <a:fld id="{1A79BAA1-E470-9F41-B0AC-6FECC0172A87}" type="datetimeFigureOut">
-              <a:t>1/12/13</a:t>
+              <a:t>3/6/13</a:t>
             </a:fld>
             <a:endParaRPr lang="en-US"/>
           </a:p>
@@ -1036,7 +1036,7 @@
           <a:lstStyle/>
           <a:p>
             <a:fld id="{1A79BAA1-E470-9F41-B0AC-6FECC0172A87}" type="datetimeFigureOut">
-              <a:t>1/12/13</a:t>
+              <a:t>3/6/13</a:t>
             </a:fld>
             <a:endParaRPr lang="en-US"/>
           </a:p>
@@ -1319,7 +1319,7 @@
           <a:lstStyle/>
           <a:p>
             <a:fld id="{1A79BAA1-E470-9F41-B0AC-6FECC0172A87}" type="datetimeFigureOut">
-              <a:t>1/12/13</a:t>
+              <a:t>3/6/13</a:t>
             </a:fld>
             <a:endParaRPr lang="en-US"/>
           </a:p>
@@ -1736,7 +1736,7 @@
           <a:lstStyle/>
           <a:p>
             <a:fld id="{1A79BAA1-E470-9F41-B0AC-6FECC0172A87}" type="datetimeFigureOut">
-              <a:t>1/12/13</a:t>
+              <a:t>3/6/13</a:t>
             </a:fld>
             <a:endParaRPr lang="en-US"/>
           </a:p>
@@ -1851,7 +1851,7 @@
           <a:lstStyle/>
           <a:p>
             <a:fld id="{1A79BAA1-E470-9F41-B0AC-6FECC0172A87}" type="datetimeFigureOut">
-              <a:t>1/12/13</a:t>
+              <a:t>3/6/13</a:t>
             </a:fld>
             <a:endParaRPr lang="en-US"/>
           </a:p>
@@ -1944,7 +1944,7 @@
           <a:lstStyle/>
           <a:p>
             <a:fld id="{1A79BAA1-E470-9F41-B0AC-6FECC0172A87}" type="datetimeFigureOut">
-              <a:t>1/12/13</a:t>
+              <a:t>3/6/13</a:t>
             </a:fld>
             <a:endParaRPr lang="en-US"/>
           </a:p>
@@ -2217,7 +2217,7 @@
           <a:lstStyle/>
           <a:p>
             <a:fld id="{1A79BAA1-E470-9F41-B0AC-6FECC0172A87}" type="datetimeFigureOut">
-              <a:t>1/12/13</a:t>
+              <a:t>3/6/13</a:t>
             </a:fld>
             <a:endParaRPr lang="en-US"/>
           </a:p>
@@ -2467,7 +2467,7 @@
           <a:lstStyle/>
           <a:p>
             <a:fld id="{1A79BAA1-E470-9F41-B0AC-6FECC0172A87}" type="datetimeFigureOut">
-              <a:t>1/12/13</a:t>
+              <a:t>3/6/13</a:t>
             </a:fld>
             <a:endParaRPr lang="en-US"/>
           </a:p>
@@ -2676,7 +2676,7 @@
           </a:lstStyle>
           <a:p>
             <a:fld id="{1A79BAA1-E470-9F41-B0AC-6FECC0172A87}" type="datetimeFigureOut">
-              <a:t>1/12/13</a:t>
+              <a:t>3/6/13</a:t>
             </a:fld>
             <a:endParaRPr lang="en-US"/>
           </a:p>
@@ -3091,7 +3091,10 @@
           <a:lstStyle/>
           <a:p>
             <a:pPr algn="ctr"/>
-            <a:endParaRPr lang="en-US" i="1"/>
+            <a:endParaRPr lang="en-US" i="1">
+              <a:latin typeface="Lato Light"/>
+              <a:cs typeface="Lato Light"/>
+            </a:endParaRPr>
           </a:p>
         </p:txBody>
       </p:sp>
@@ -3136,7 +3139,10 @@
           <a:lstStyle/>
           <a:p>
             <a:pPr algn="ctr"/>
-            <a:endParaRPr lang="en-US" i="1"/>
+            <a:endParaRPr lang="en-US" i="1">
+              <a:latin typeface="Lato Light"/>
+              <a:cs typeface="Lato Light"/>
+            </a:endParaRPr>
           </a:p>
         </p:txBody>
       </p:sp>
@@ -3181,7 +3187,10 @@
           <a:lstStyle/>
           <a:p>
             <a:pPr algn="ctr"/>
-            <a:endParaRPr lang="en-US" i="1"/>
+            <a:endParaRPr lang="en-US" i="1">
+              <a:latin typeface="Lato Light"/>
+              <a:cs typeface="Lato Light"/>
+            </a:endParaRPr>
           </a:p>
         </p:txBody>
       </p:sp>
@@ -3210,8 +3219,8 @@
             <a:pPr algn="ctr"/>
             <a:r>
               <a:rPr lang="en-US" sz="2000">
-                <a:latin typeface="Helvetica Neue Light"/>
-                <a:cs typeface="Helvetica Neue Light"/>
+                <a:latin typeface="Lato Light"/>
+                <a:cs typeface="Lato Light"/>
               </a:rPr>
               <a:t>Rapid Regime Shifts</a:t>
             </a:r>
@@ -3226,7 +3235,7 @@
         </p:nvSpPr>
         <p:spPr>
           <a:xfrm>
-            <a:off x="1737182" y="4363785"/>
+            <a:off x="1737182" y="4168181"/>
             <a:ext cx="1547700" cy="1015663"/>
           </a:xfrm>
           <a:prstGeom prst="rect">
@@ -3243,8 +3252,8 @@
             <a:pPr algn="ctr"/>
             <a:r>
               <a:rPr lang="en-US" sz="2000">
-                <a:latin typeface="Helvetica Neue Light"/>
-                <a:cs typeface="Helvetica Neue Light"/>
+                <a:latin typeface="Lato Light"/>
+                <a:cs typeface="Lato Light"/>
               </a:rPr>
               <a:t>Critical Slowing Down</a:t>
             </a:r>
@@ -3259,7 +3268,7 @@
         </p:nvSpPr>
         <p:spPr>
           <a:xfrm>
-            <a:off x="6008594" y="4649463"/>
+            <a:off x="6008594" y="4275903"/>
             <a:ext cx="1547700" cy="400110"/>
           </a:xfrm>
           <a:prstGeom prst="rect">
@@ -3276,8 +3285,8 @@
             <a:pPr algn="ctr"/>
             <a:r>
               <a:rPr lang="en-US" sz="2000">
-                <a:latin typeface="Helvetica Neue Light"/>
-                <a:cs typeface="Helvetica Neue Light"/>
+                <a:latin typeface="Lato Light"/>
+                <a:cs typeface="Lato Light"/>
               </a:rPr>
               <a:t>Bifurcations</a:t>
             </a:r>
@@ -3293,7 +3302,7 @@
         <p:spPr>
           <a:xfrm>
             <a:off x="3847701" y="4842226"/>
-            <a:ext cx="1547700" cy="584776"/>
+            <a:ext cx="1547700" cy="338554"/>
           </a:xfrm>
           <a:prstGeom prst="rect">
             <a:avLst/>
@@ -3309,8 +3318,8 @@
             <a:pPr algn="ctr"/>
             <a:r>
               <a:rPr lang="en-US" sz="1600" i="1">
-                <a:latin typeface="Helvetica Neue Light"/>
-                <a:cs typeface="Helvetica Neue Light"/>
+                <a:latin typeface="Lato Light"/>
+                <a:cs typeface="Lato Light"/>
               </a:rPr>
               <a:t>Hopf Bifurcation</a:t>
             </a:r>
@@ -3341,8 +3350,8 @@
             <a:pPr algn="ctr"/>
             <a:r>
               <a:rPr lang="en-US" sz="1600" i="1">
-                <a:latin typeface="Helvetica Neue Light"/>
-                <a:cs typeface="Helvetica Neue Light"/>
+                <a:latin typeface="Lato Light"/>
+                <a:cs typeface="Lato Light"/>
               </a:rPr>
               <a:t>Saddle-Node Bifurcation</a:t>
             </a:r>
@@ -3374,8 +3383,8 @@
             <a:pPr algn="ctr"/>
             <a:r>
               <a:rPr lang="en-US" sz="1600" i="1">
-                <a:latin typeface="Helvetica Neue Light"/>
-                <a:cs typeface="Helvetica Neue Light"/>
+                <a:latin typeface="Lato Light"/>
+                <a:cs typeface="Lato Light"/>
               </a:rPr>
               <a:t>Chaotic Crisis</a:t>
             </a:r>
@@ -3390,7 +3399,7 @@
         </p:nvSpPr>
         <p:spPr>
           <a:xfrm>
-            <a:off x="2511032" y="5571305"/>
+            <a:off x="2031323" y="5278917"/>
             <a:ext cx="1547700" cy="584776"/>
           </a:xfrm>
           <a:prstGeom prst="rect">
@@ -3407,8 +3416,8 @@
             <a:pPr algn="ctr"/>
             <a:r>
               <a:rPr lang="en-US" sz="1600" i="1">
-                <a:latin typeface="Helvetica Neue Light"/>
-                <a:cs typeface="Helvetica Neue Light"/>
+                <a:latin typeface="Lato Light"/>
+                <a:cs typeface="Lato Light"/>
               </a:rPr>
               <a:t>Smooth Transitions</a:t>
             </a:r>
@@ -3440,8 +3449,8 @@
             <a:pPr algn="ctr"/>
             <a:r>
               <a:rPr lang="en-US" sz="1600" i="1">
-                <a:latin typeface="Helvetica Neue Light"/>
-                <a:cs typeface="Helvetica Neue Light"/>
+                <a:latin typeface="Lato Light"/>
+                <a:cs typeface="Lato Light"/>
               </a:rPr>
               <a:t>External Forcing</a:t>
             </a:r>
@@ -3456,7 +3465,7 @@
         </p:nvSpPr>
         <p:spPr>
           <a:xfrm>
-            <a:off x="5722619" y="5155806"/>
+            <a:off x="6015778" y="4842226"/>
             <a:ext cx="1547700" cy="830997"/>
           </a:xfrm>
           <a:prstGeom prst="rect">
@@ -3473,10 +3482,202 @@
             <a:pPr algn="ctr"/>
             <a:r>
               <a:rPr lang="en-US" sz="1600" i="1">
-                <a:latin typeface="Helvetica Neue Light"/>
-                <a:cs typeface="Helvetica Neue Light"/>
+                <a:latin typeface="Lato Light"/>
+                <a:cs typeface="Lato Light"/>
               </a:rPr>
               <a:t>Transition from small to zero population</a:t>
+            </a:r>
+          </a:p>
+        </p:txBody>
+      </p:sp>
+      <p:sp>
+        <p:nvSpPr>
+          <p:cNvPr id="2" name="TextBox 1"/>
+          <p:cNvSpPr txBox="1"/>
+          <p:nvPr/>
+        </p:nvSpPr>
+        <p:spPr>
+          <a:xfrm>
+            <a:off x="4382899" y="4077386"/>
+            <a:ext cx="457039" cy="369332"/>
+          </a:xfrm>
+          <a:prstGeom prst="rect">
+            <a:avLst/>
+          </a:prstGeom>
+          <a:noFill/>
+        </p:spPr>
+        <p:txBody>
+          <a:bodyPr wrap="none" rtlCol="0">
+            <a:spAutoFit/>
+          </a:bodyPr>
+          <a:lstStyle/>
+          <a:p>
+            <a:r>
+              <a:rPr lang="en-US">
+                <a:latin typeface="Lato Light"/>
+                <a:cs typeface="Lato Light"/>
+              </a:rPr>
+              <a:t>(1)</a:t>
+            </a:r>
+          </a:p>
+        </p:txBody>
+      </p:sp>
+      <p:sp>
+        <p:nvSpPr>
+          <p:cNvPr id="18" name="TextBox 17"/>
+          <p:cNvSpPr txBox="1"/>
+          <p:nvPr/>
+        </p:nvSpPr>
+        <p:spPr>
+          <a:xfrm>
+            <a:off x="5787258" y="3175596"/>
+            <a:ext cx="457039" cy="369332"/>
+          </a:xfrm>
+          <a:prstGeom prst="rect">
+            <a:avLst/>
+          </a:prstGeom>
+          <a:noFill/>
+        </p:spPr>
+        <p:txBody>
+          <a:bodyPr wrap="none" rtlCol="0">
+            <a:spAutoFit/>
+          </a:bodyPr>
+          <a:lstStyle/>
+          <a:p>
+            <a:r>
+              <a:rPr lang="en-US">
+                <a:latin typeface="Lato Light"/>
+                <a:cs typeface="Lato Light"/>
+              </a:rPr>
+              <a:t>(2)</a:t>
+            </a:r>
+          </a:p>
+        </p:txBody>
+      </p:sp>
+      <p:sp>
+        <p:nvSpPr>
+          <p:cNvPr id="19" name="TextBox 18"/>
+          <p:cNvSpPr txBox="1"/>
+          <p:nvPr/>
+        </p:nvSpPr>
+        <p:spPr>
+          <a:xfrm>
+            <a:off x="4382899" y="5413650"/>
+            <a:ext cx="457039" cy="369332"/>
+          </a:xfrm>
+          <a:prstGeom prst="rect">
+            <a:avLst/>
+          </a:prstGeom>
+          <a:noFill/>
+        </p:spPr>
+        <p:txBody>
+          <a:bodyPr wrap="none" rtlCol="0">
+            <a:spAutoFit/>
+          </a:bodyPr>
+          <a:lstStyle/>
+          <a:p>
+            <a:r>
+              <a:rPr lang="en-US">
+                <a:latin typeface="Lato Light"/>
+                <a:cs typeface="Lato Light"/>
+              </a:rPr>
+              <a:t>(3)</a:t>
+            </a:r>
+          </a:p>
+        </p:txBody>
+      </p:sp>
+      <p:sp>
+        <p:nvSpPr>
+          <p:cNvPr id="20" name="TextBox 19"/>
+          <p:cNvSpPr txBox="1"/>
+          <p:nvPr/>
+        </p:nvSpPr>
+        <p:spPr>
+          <a:xfrm>
+            <a:off x="2631731" y="5857889"/>
+            <a:ext cx="457039" cy="369332"/>
+          </a:xfrm>
+          <a:prstGeom prst="rect">
+            <a:avLst/>
+          </a:prstGeom>
+          <a:noFill/>
+        </p:spPr>
+        <p:txBody>
+          <a:bodyPr wrap="none" rtlCol="0">
+            <a:spAutoFit/>
+          </a:bodyPr>
+          <a:lstStyle/>
+          <a:p>
+            <a:r>
+              <a:rPr lang="en-US">
+                <a:latin typeface="Lato Light"/>
+                <a:cs typeface="Lato Light"/>
+              </a:rPr>
+              <a:t>(4)</a:t>
+            </a:r>
+          </a:p>
+        </p:txBody>
+      </p:sp>
+      <p:sp>
+        <p:nvSpPr>
+          <p:cNvPr id="21" name="TextBox 20"/>
+          <p:cNvSpPr txBox="1"/>
+          <p:nvPr/>
+        </p:nvSpPr>
+        <p:spPr>
+          <a:xfrm>
+            <a:off x="4374253" y="1800647"/>
+            <a:ext cx="457039" cy="369332"/>
+          </a:xfrm>
+          <a:prstGeom prst="rect">
+            <a:avLst/>
+          </a:prstGeom>
+          <a:noFill/>
+        </p:spPr>
+        <p:txBody>
+          <a:bodyPr wrap="none" rtlCol="0">
+            <a:spAutoFit/>
+          </a:bodyPr>
+          <a:lstStyle/>
+          <a:p>
+            <a:r>
+              <a:rPr lang="en-US">
+                <a:latin typeface="Lato Light"/>
+                <a:cs typeface="Lato Light"/>
+              </a:rPr>
+              <a:t>(6)</a:t>
+            </a:r>
+          </a:p>
+        </p:txBody>
+      </p:sp>
+      <p:sp>
+        <p:nvSpPr>
+          <p:cNvPr id="22" name="TextBox 21"/>
+          <p:cNvSpPr txBox="1"/>
+          <p:nvPr/>
+        </p:nvSpPr>
+        <p:spPr>
+          <a:xfrm>
+            <a:off x="6504798" y="5705160"/>
+            <a:ext cx="457039" cy="369332"/>
+          </a:xfrm>
+          <a:prstGeom prst="rect">
+            <a:avLst/>
+          </a:prstGeom>
+          <a:noFill/>
+        </p:spPr>
+        <p:txBody>
+          <a:bodyPr wrap="none" rtlCol="0">
+            <a:spAutoFit/>
+          </a:bodyPr>
+          <a:lstStyle/>
+          <a:p>
+            <a:r>
+              <a:rPr lang="en-US">
+                <a:latin typeface="Lato Light"/>
+                <a:cs typeface="Lato Light"/>
+              </a:rPr>
+              <a:t>(5)</a:t>
             </a:r>
           </a:p>
         </p:txBody>

--- a/ews-venn.pptx
+++ b/ews-venn.pptx
@@ -285,7 +285,7 @@
           <a:lstStyle/>
           <a:p>
             <a:fld id="{1A79BAA1-E470-9F41-B0AC-6FECC0172A87}" type="datetimeFigureOut">
-              <a:t>3/6/13</a:t>
+              <a:t>3/8/13</a:t>
             </a:fld>
             <a:endParaRPr lang="en-US"/>
           </a:p>
@@ -451,7 +451,7 @@
           <a:lstStyle/>
           <a:p>
             <a:fld id="{1A79BAA1-E470-9F41-B0AC-6FECC0172A87}" type="datetimeFigureOut">
-              <a:t>3/6/13</a:t>
+              <a:t>3/8/13</a:t>
             </a:fld>
             <a:endParaRPr lang="en-US"/>
           </a:p>
@@ -627,7 +627,7 @@
           <a:lstStyle/>
           <a:p>
             <a:fld id="{1A79BAA1-E470-9F41-B0AC-6FECC0172A87}" type="datetimeFigureOut">
-              <a:t>3/6/13</a:t>
+              <a:t>3/8/13</a:t>
             </a:fld>
             <a:endParaRPr lang="en-US"/>
           </a:p>
@@ -793,7 +793,7 @@
           <a:lstStyle/>
           <a:p>
             <a:fld id="{1A79BAA1-E470-9F41-B0AC-6FECC0172A87}" type="datetimeFigureOut">
-              <a:t>3/6/13</a:t>
+              <a:t>3/8/13</a:t>
             </a:fld>
             <a:endParaRPr lang="en-US"/>
           </a:p>
@@ -1036,7 +1036,7 @@
           <a:lstStyle/>
           <a:p>
             <a:fld id="{1A79BAA1-E470-9F41-B0AC-6FECC0172A87}" type="datetimeFigureOut">
-              <a:t>3/6/13</a:t>
+              <a:t>3/8/13</a:t>
             </a:fld>
             <a:endParaRPr lang="en-US"/>
           </a:p>
@@ -1319,7 +1319,7 @@
           <a:lstStyle/>
           <a:p>
             <a:fld id="{1A79BAA1-E470-9F41-B0AC-6FECC0172A87}" type="datetimeFigureOut">
-              <a:t>3/6/13</a:t>
+              <a:t>3/8/13</a:t>
             </a:fld>
             <a:endParaRPr lang="en-US"/>
           </a:p>
@@ -1736,7 +1736,7 @@
           <a:lstStyle/>
           <a:p>
             <a:fld id="{1A79BAA1-E470-9F41-B0AC-6FECC0172A87}" type="datetimeFigureOut">
-              <a:t>3/6/13</a:t>
+              <a:t>3/8/13</a:t>
             </a:fld>
             <a:endParaRPr lang="en-US"/>
           </a:p>
@@ -1851,7 +1851,7 @@
           <a:lstStyle/>
           <a:p>
             <a:fld id="{1A79BAA1-E470-9F41-B0AC-6FECC0172A87}" type="datetimeFigureOut">
-              <a:t>3/6/13</a:t>
+              <a:t>3/8/13</a:t>
             </a:fld>
             <a:endParaRPr lang="en-US"/>
           </a:p>
@@ -1944,7 +1944,7 @@
           <a:lstStyle/>
           <a:p>
             <a:fld id="{1A79BAA1-E470-9F41-B0AC-6FECC0172A87}" type="datetimeFigureOut">
-              <a:t>3/6/13</a:t>
+              <a:t>3/8/13</a:t>
             </a:fld>
             <a:endParaRPr lang="en-US"/>
           </a:p>
@@ -2217,7 +2217,7 @@
           <a:lstStyle/>
           <a:p>
             <a:fld id="{1A79BAA1-E470-9F41-B0AC-6FECC0172A87}" type="datetimeFigureOut">
-              <a:t>3/6/13</a:t>
+              <a:t>3/8/13</a:t>
             </a:fld>
             <a:endParaRPr lang="en-US"/>
           </a:p>
@@ -2467,7 +2467,7 @@
           <a:lstStyle/>
           <a:p>
             <a:fld id="{1A79BAA1-E470-9F41-B0AC-6FECC0172A87}" type="datetimeFigureOut">
-              <a:t>3/6/13</a:t>
+              <a:t>3/8/13</a:t>
             </a:fld>
             <a:endParaRPr lang="en-US"/>
           </a:p>
@@ -2676,7 +2676,7 @@
           </a:lstStyle>
           <a:p>
             <a:fld id="{1A79BAA1-E470-9F41-B0AC-6FECC0172A87}" type="datetimeFigureOut">
-              <a:t>3/6/13</a:t>
+              <a:t>3/8/13</a:t>
             </a:fld>
             <a:endParaRPr lang="en-US"/>
           </a:p>
@@ -3058,7 +3058,7 @@
         </p:nvSpPr>
         <p:spPr>
           <a:xfrm>
-            <a:off x="2349431" y="216450"/>
+            <a:off x="1353270" y="216450"/>
             <a:ext cx="4433013" cy="4433013"/>
           </a:xfrm>
           <a:prstGeom prst="ellipse">
@@ -3106,7 +3106,7 @@
         </p:nvSpPr>
         <p:spPr>
           <a:xfrm>
-            <a:off x="1289606" y="2112005"/>
+            <a:off x="293445" y="2112005"/>
             <a:ext cx="4433013" cy="4433013"/>
           </a:xfrm>
           <a:prstGeom prst="ellipse">
@@ -3154,7 +3154,7 @@
         </p:nvSpPr>
         <p:spPr>
           <a:xfrm>
-            <a:off x="3506112" y="2112005"/>
+            <a:off x="2509951" y="2112005"/>
             <a:ext cx="4433013" cy="4433013"/>
           </a:xfrm>
           <a:prstGeom prst="ellipse">
@@ -3202,7 +3202,7 @@
         </p:nvSpPr>
         <p:spPr>
           <a:xfrm>
-            <a:off x="3397108" y="1004263"/>
+            <a:off x="2400947" y="1004263"/>
             <a:ext cx="2428870" cy="400110"/>
           </a:xfrm>
           <a:prstGeom prst="rect">
@@ -3235,7 +3235,7 @@
         </p:nvSpPr>
         <p:spPr>
           <a:xfrm>
-            <a:off x="1737182" y="4168181"/>
+            <a:off x="741021" y="4168181"/>
             <a:ext cx="1547700" cy="1015663"/>
           </a:xfrm>
           <a:prstGeom prst="rect">
@@ -3268,7 +3268,7 @@
         </p:nvSpPr>
         <p:spPr>
           <a:xfrm>
-            <a:off x="6008594" y="4275903"/>
+            <a:off x="5012433" y="4275903"/>
             <a:ext cx="1547700" cy="400110"/>
           </a:xfrm>
           <a:prstGeom prst="rect">
@@ -3301,8 +3301,8 @@
         </p:nvSpPr>
         <p:spPr>
           <a:xfrm>
-            <a:off x="3847701" y="4842226"/>
-            <a:ext cx="1547700" cy="338554"/>
+            <a:off x="2851540" y="4712356"/>
+            <a:ext cx="1547700" cy="830997"/>
           </a:xfrm>
           <a:prstGeom prst="rect">
             <a:avLst/>
@@ -3321,8 +3321,32 @@
                 <a:latin typeface="Lato Light"/>
                 <a:cs typeface="Lato Light"/>
               </a:rPr>
-              <a:t>Hopf Bifurcation</a:t>
-            </a:r>
+              <a:t>Hopf, </a:t>
+            </a:r>
+          </a:p>
+          <a:p>
+            <a:pPr algn="ctr"/>
+            <a:r>
+              <a:rPr lang="en-US" sz="1600" i="1">
+                <a:latin typeface="Lato Light"/>
+                <a:cs typeface="Lato Light"/>
+              </a:rPr>
+              <a:t>transcritical</a:t>
+            </a:r>
+          </a:p>
+          <a:p>
+            <a:pPr algn="ctr"/>
+            <a:r>
+              <a:rPr lang="en-US" sz="1600" i="1">
+                <a:latin typeface="Lato Light"/>
+                <a:cs typeface="Lato Light"/>
+              </a:rPr>
+              <a:t>bifurcations, etc.</a:t>
+            </a:r>
+            <a:endParaRPr lang="en-US" sz="1600" i="1">
+              <a:latin typeface="Lato Light"/>
+              <a:cs typeface="Lato Light"/>
+            </a:endParaRPr>
           </a:p>
         </p:txBody>
       </p:sp>
@@ -3334,7 +3358,7 @@
         </p:nvSpPr>
         <p:spPr>
           <a:xfrm>
-            <a:off x="3873675" y="3460783"/>
+            <a:off x="2877514" y="3316483"/>
             <a:ext cx="1521726" cy="584776"/>
           </a:xfrm>
           <a:prstGeom prst="rect">
@@ -3366,7 +3390,7 @@
         </p:nvSpPr>
         <p:spPr>
           <a:xfrm>
-            <a:off x="5422233" y="2541473"/>
+            <a:off x="4426072" y="2541473"/>
             <a:ext cx="1086136" cy="584776"/>
           </a:xfrm>
           <a:prstGeom prst="rect">
@@ -3386,7 +3410,7 @@
                 <a:latin typeface="Lato Light"/>
                 <a:cs typeface="Lato Light"/>
               </a:rPr>
-              <a:t>Chaotic Crisis</a:t>
+              <a:t>Chaotic crisis</a:t>
             </a:r>
           </a:p>
         </p:txBody>
@@ -3399,7 +3423,7 @@
         </p:nvSpPr>
         <p:spPr>
           <a:xfrm>
-            <a:off x="2031323" y="5278917"/>
+            <a:off x="1035162" y="5278917"/>
             <a:ext cx="1547700" cy="584776"/>
           </a:xfrm>
           <a:prstGeom prst="rect">
@@ -3432,7 +3456,7 @@
         </p:nvSpPr>
         <p:spPr>
           <a:xfrm>
-            <a:off x="3621561" y="1462093"/>
+            <a:off x="2625400" y="1462093"/>
             <a:ext cx="1916121" cy="338554"/>
           </a:xfrm>
           <a:prstGeom prst="rect">
@@ -3465,7 +3489,7 @@
         </p:nvSpPr>
         <p:spPr>
           <a:xfrm>
-            <a:off x="6015778" y="4842226"/>
+            <a:off x="5019617" y="4842226"/>
             <a:ext cx="1547700" cy="830997"/>
           </a:xfrm>
           <a:prstGeom prst="rect">
@@ -3498,8 +3522,8 @@
         </p:nvSpPr>
         <p:spPr>
           <a:xfrm>
-            <a:off x="4382899" y="4077386"/>
-            <a:ext cx="457039" cy="369332"/>
+            <a:off x="3386738" y="3904226"/>
+            <a:ext cx="392178" cy="369332"/>
           </a:xfrm>
           <a:prstGeom prst="rect">
             <a:avLst/>
@@ -3517,7 +3541,7 @@
                 <a:latin typeface="Lato Light"/>
                 <a:cs typeface="Lato Light"/>
               </a:rPr>
-              <a:t>(1)</a:t>
+              <a:t>(I)</a:t>
             </a:r>
           </a:p>
         </p:txBody>
@@ -3530,8 +3554,8 @@
         </p:nvSpPr>
         <p:spPr>
           <a:xfrm>
-            <a:off x="5787258" y="3175596"/>
-            <a:ext cx="457039" cy="369332"/>
+            <a:off x="4791097" y="3175596"/>
+            <a:ext cx="461196" cy="369332"/>
           </a:xfrm>
           <a:prstGeom prst="rect">
             <a:avLst/>
@@ -3549,7 +3573,7 @@
                 <a:latin typeface="Lato Light"/>
                 <a:cs typeface="Lato Light"/>
               </a:rPr>
-              <a:t>(2)</a:t>
+              <a:t>(II)</a:t>
             </a:r>
           </a:p>
         </p:txBody>
@@ -3562,8 +3586,8 @@
         </p:nvSpPr>
         <p:spPr>
           <a:xfrm>
-            <a:off x="4382899" y="5413650"/>
-            <a:ext cx="457039" cy="369332"/>
+            <a:off x="3386738" y="5572380"/>
+            <a:ext cx="461196" cy="369332"/>
           </a:xfrm>
           <a:prstGeom prst="rect">
             <a:avLst/>
@@ -3581,7 +3605,7 @@
                 <a:latin typeface="Lato Light"/>
                 <a:cs typeface="Lato Light"/>
               </a:rPr>
-              <a:t>(3)</a:t>
+              <a:t>(II)</a:t>
             </a:r>
           </a:p>
         </p:txBody>
@@ -3594,8 +3618,8 @@
         </p:nvSpPr>
         <p:spPr>
           <a:xfrm>
-            <a:off x="2631731" y="5857889"/>
-            <a:ext cx="457039" cy="369332"/>
+            <a:off x="1635570" y="5857889"/>
+            <a:ext cx="540946" cy="369332"/>
           </a:xfrm>
           <a:prstGeom prst="rect">
             <a:avLst/>
@@ -3613,7 +3637,7 @@
                 <a:latin typeface="Lato Light"/>
                 <a:cs typeface="Lato Light"/>
               </a:rPr>
-              <a:t>(4)</a:t>
+              <a:t>(IV)</a:t>
             </a:r>
           </a:p>
         </p:txBody>
@@ -3626,8 +3650,8 @@
         </p:nvSpPr>
         <p:spPr>
           <a:xfrm>
-            <a:off x="4374253" y="1800647"/>
-            <a:ext cx="457039" cy="369332"/>
+            <a:off x="3378092" y="1800647"/>
+            <a:ext cx="540946" cy="369332"/>
           </a:xfrm>
           <a:prstGeom prst="rect">
             <a:avLst/>
@@ -3645,7 +3669,7 @@
                 <a:latin typeface="Lato Light"/>
                 <a:cs typeface="Lato Light"/>
               </a:rPr>
-              <a:t>(6)</a:t>
+              <a:t>(VI)</a:t>
             </a:r>
           </a:p>
         </p:txBody>
@@ -3658,8 +3682,8 @@
         </p:nvSpPr>
         <p:spPr>
           <a:xfrm>
-            <a:off x="6504798" y="5705160"/>
-            <a:ext cx="457039" cy="369332"/>
+            <a:off x="5508637" y="5705160"/>
+            <a:ext cx="471928" cy="369332"/>
           </a:xfrm>
           <a:prstGeom prst="rect">
             <a:avLst/>
@@ -3677,7 +3701,7 @@
                 <a:latin typeface="Lato Light"/>
                 <a:cs typeface="Lato Light"/>
               </a:rPr>
-              <a:t>(5)</a:t>
+              <a:t>(V)</a:t>
             </a:r>
           </a:p>
         </p:txBody>
